--- a/ppt/HyperGCN_20240830.pptx
+++ b/ppt/HyperGCN_20240830.pptx
@@ -106,6 +106,11 @@
       </a:defRPr>
     </a:lvl9pPr>
   </p:defaultTextStyle>
+  <p:extLst>
+    <p:ext uri="{EFAFB233-063F-42B5-8137-9DF3F51BA10A}">
+      <p15:sldGuideLst xmlns:p15="http://schemas.microsoft.com/office/powerpoint/2012/main"/>
+    </p:ext>
+  </p:extLst>
 </p:presentation>
 </file>
 
@@ -256,7 +261,7 @@
           <a:p>
             <a:fld id="{3E3EF472-1EBA-624D-90BA-EF696E8617F5}" type="datetimeFigureOut">
               <a:rPr lang="en-GB" smtClean="0"/>
-              <a:t>30/08/2024</a:t>
+              <a:t>31/08/2024</a:t>
             </a:fld>
             <a:endParaRPr lang="en-GB"/>
           </a:p>
@@ -454,7 +459,7 @@
           <a:p>
             <a:fld id="{3E3EF472-1EBA-624D-90BA-EF696E8617F5}" type="datetimeFigureOut">
               <a:rPr lang="en-GB" smtClean="0"/>
-              <a:t>30/08/2024</a:t>
+              <a:t>31/08/2024</a:t>
             </a:fld>
             <a:endParaRPr lang="en-GB"/>
           </a:p>
@@ -662,7 +667,7 @@
           <a:p>
             <a:fld id="{3E3EF472-1EBA-624D-90BA-EF696E8617F5}" type="datetimeFigureOut">
               <a:rPr lang="en-GB" smtClean="0"/>
-              <a:t>30/08/2024</a:t>
+              <a:t>31/08/2024</a:t>
             </a:fld>
             <a:endParaRPr lang="en-GB"/>
           </a:p>
@@ -860,7 +865,7 @@
           <a:p>
             <a:fld id="{3E3EF472-1EBA-624D-90BA-EF696E8617F5}" type="datetimeFigureOut">
               <a:rPr lang="en-GB" smtClean="0"/>
-              <a:t>30/08/2024</a:t>
+              <a:t>31/08/2024</a:t>
             </a:fld>
             <a:endParaRPr lang="en-GB"/>
           </a:p>
@@ -1135,7 +1140,7 @@
           <a:p>
             <a:fld id="{3E3EF472-1EBA-624D-90BA-EF696E8617F5}" type="datetimeFigureOut">
               <a:rPr lang="en-GB" smtClean="0"/>
-              <a:t>30/08/2024</a:t>
+              <a:t>31/08/2024</a:t>
             </a:fld>
             <a:endParaRPr lang="en-GB"/>
           </a:p>
@@ -1400,7 +1405,7 @@
           <a:p>
             <a:fld id="{3E3EF472-1EBA-624D-90BA-EF696E8617F5}" type="datetimeFigureOut">
               <a:rPr lang="en-GB" smtClean="0"/>
-              <a:t>30/08/2024</a:t>
+              <a:t>31/08/2024</a:t>
             </a:fld>
             <a:endParaRPr lang="en-GB"/>
           </a:p>
@@ -1812,7 +1817,7 @@
           <a:p>
             <a:fld id="{3E3EF472-1EBA-624D-90BA-EF696E8617F5}" type="datetimeFigureOut">
               <a:rPr lang="en-GB" smtClean="0"/>
-              <a:t>30/08/2024</a:t>
+              <a:t>31/08/2024</a:t>
             </a:fld>
             <a:endParaRPr lang="en-GB"/>
           </a:p>
@@ -1953,7 +1958,7 @@
           <a:p>
             <a:fld id="{3E3EF472-1EBA-624D-90BA-EF696E8617F5}" type="datetimeFigureOut">
               <a:rPr lang="en-GB" smtClean="0"/>
-              <a:t>30/08/2024</a:t>
+              <a:t>31/08/2024</a:t>
             </a:fld>
             <a:endParaRPr lang="en-GB"/>
           </a:p>
@@ -2066,7 +2071,7 @@
           <a:p>
             <a:fld id="{3E3EF472-1EBA-624D-90BA-EF696E8617F5}" type="datetimeFigureOut">
               <a:rPr lang="en-GB" smtClean="0"/>
-              <a:t>30/08/2024</a:t>
+              <a:t>31/08/2024</a:t>
             </a:fld>
             <a:endParaRPr lang="en-GB"/>
           </a:p>
@@ -2377,7 +2382,7 @@
           <a:p>
             <a:fld id="{3E3EF472-1EBA-624D-90BA-EF696E8617F5}" type="datetimeFigureOut">
               <a:rPr lang="en-GB" smtClean="0"/>
-              <a:t>30/08/2024</a:t>
+              <a:t>31/08/2024</a:t>
             </a:fld>
             <a:endParaRPr lang="en-GB"/>
           </a:p>
@@ -2665,7 +2670,7 @@
           <a:p>
             <a:fld id="{3E3EF472-1EBA-624D-90BA-EF696E8617F5}" type="datetimeFigureOut">
               <a:rPr lang="en-GB" smtClean="0"/>
-              <a:t>30/08/2024</a:t>
+              <a:t>31/08/2024</a:t>
             </a:fld>
             <a:endParaRPr lang="en-GB"/>
           </a:p>
@@ -2906,7 +2911,7 @@
           <a:p>
             <a:fld id="{3E3EF472-1EBA-624D-90BA-EF696E8617F5}" type="datetimeFigureOut">
               <a:rPr lang="en-GB" smtClean="0"/>
-              <a:t>30/08/2024</a:t>
+              <a:t>31/08/2024</a:t>
             </a:fld>
             <a:endParaRPr lang="en-GB"/>
           </a:p>
@@ -3595,15 +3600,53 @@
         </p:nvSpPr>
         <p:spPr>
           <a:xfrm>
-            <a:off x="838200" y="1825625"/>
-            <a:ext cx="4416972" cy="4351338"/>
+            <a:off x="838199" y="1825625"/>
+            <a:ext cx="5425967" cy="4351338"/>
           </a:xfrm>
         </p:spPr>
         <p:txBody>
-          <a:bodyPr/>
-          <a:lstStyle/>
-          <a:p>
-            <a:endParaRPr lang="en-GB" dirty="0"/>
+          <a:bodyPr>
+            <a:normAutofit/>
+          </a:bodyPr>
+          <a:lstStyle/>
+          <a:p>
+            <a:r>
+              <a:rPr lang="en-GB" sz="1400" dirty="0"/>
+              <a:t>Step 1: Load interaction log</a:t>
+            </a:r>
+          </a:p>
+          <a:p>
+            <a:r>
+              <a:rPr lang="en-GB" sz="1400" dirty="0"/>
+              <a:t>Step 2: Create User (U) &amp; Item (I) interaction matrix</a:t>
+            </a:r>
+          </a:p>
+          <a:p>
+            <a:r>
+              <a:rPr lang="en-GB" sz="1400" dirty="0"/>
+              <a:t>Step 3: Create UU and II similarity matrix</a:t>
+            </a:r>
+          </a:p>
+          <a:p>
+            <a:r>
+              <a:rPr lang="en-GB" sz="1400" dirty="0"/>
+              <a:t>Step 4: Create UU + II = Adjacency Matrix (AM)</a:t>
+            </a:r>
+          </a:p>
+          <a:p>
+            <a:r>
+              <a:rPr lang="en-GB" sz="1400" dirty="0"/>
+              <a:t>Step 4: Model training using the AM</a:t>
+            </a:r>
+          </a:p>
+          <a:p>
+            <a:r>
+              <a:rPr lang="en-GB" sz="1400" dirty="0"/>
+              <a:t>Step 5: Testing the model on the test data</a:t>
+            </a:r>
+          </a:p>
+          <a:p>
+            <a:endParaRPr lang="en-GB" sz="1400" dirty="0"/>
           </a:p>
         </p:txBody>
       </p:sp>
